--- a/Portfolio2021.pptx
+++ b/Portfolio2021.pptx
@@ -219,7 +219,7 @@
           <a:p>
             <a:fld id="{3EE2CDC4-F299-43EF-8E03-4FB84488FDC5}" type="datetimeFigureOut">
               <a:rPr lang="ko-KR" altLang="en-US" smtClean="0"/>
-              <a:t>2021-08-26</a:t>
+              <a:t>2021-09-14</a:t>
             </a:fld>
             <a:endParaRPr lang="ko-KR" altLang="en-US"/>
           </a:p>
@@ -727,7 +727,7 @@
           <a:p>
             <a:fld id="{338B227A-4250-4672-814E-276199C1A5ED}" type="datetimeFigureOut">
               <a:rPr lang="ko-KR" altLang="en-US" smtClean="0"/>
-              <a:t>2021-08-26</a:t>
+              <a:t>2021-09-14</a:t>
             </a:fld>
             <a:endParaRPr lang="ko-KR" altLang="en-US"/>
           </a:p>
@@ -897,7 +897,7 @@
           <a:p>
             <a:fld id="{338B227A-4250-4672-814E-276199C1A5ED}" type="datetimeFigureOut">
               <a:rPr lang="ko-KR" altLang="en-US" smtClean="0"/>
-              <a:t>2021-08-26</a:t>
+              <a:t>2021-09-14</a:t>
             </a:fld>
             <a:endParaRPr lang="ko-KR" altLang="en-US"/>
           </a:p>
@@ -1077,7 +1077,7 @@
           <a:p>
             <a:fld id="{338B227A-4250-4672-814E-276199C1A5ED}" type="datetimeFigureOut">
               <a:rPr lang="ko-KR" altLang="en-US" smtClean="0"/>
-              <a:t>2021-08-26</a:t>
+              <a:t>2021-09-14</a:t>
             </a:fld>
             <a:endParaRPr lang="ko-KR" altLang="en-US"/>
           </a:p>
@@ -2397,7 +2397,7 @@
           <a:p>
             <a:fld id="{338B227A-4250-4672-814E-276199C1A5ED}" type="datetimeFigureOut">
               <a:rPr lang="ko-KR" altLang="en-US" smtClean="0"/>
-              <a:t>2021-08-26</a:t>
+              <a:t>2021-09-14</a:t>
             </a:fld>
             <a:endParaRPr lang="ko-KR" altLang="en-US"/>
           </a:p>
@@ -2643,7 +2643,7 @@
           <a:p>
             <a:fld id="{338B227A-4250-4672-814E-276199C1A5ED}" type="datetimeFigureOut">
               <a:rPr lang="ko-KR" altLang="en-US" smtClean="0"/>
-              <a:t>2021-08-26</a:t>
+              <a:t>2021-09-14</a:t>
             </a:fld>
             <a:endParaRPr lang="ko-KR" altLang="en-US"/>
           </a:p>
@@ -2875,7 +2875,7 @@
           <a:p>
             <a:fld id="{338B227A-4250-4672-814E-276199C1A5ED}" type="datetimeFigureOut">
               <a:rPr lang="ko-KR" altLang="en-US" smtClean="0"/>
-              <a:t>2021-08-26</a:t>
+              <a:t>2021-09-14</a:t>
             </a:fld>
             <a:endParaRPr lang="ko-KR" altLang="en-US"/>
           </a:p>
@@ -3242,7 +3242,7 @@
           <a:p>
             <a:fld id="{338B227A-4250-4672-814E-276199C1A5ED}" type="datetimeFigureOut">
               <a:rPr lang="ko-KR" altLang="en-US" smtClean="0"/>
-              <a:t>2021-08-26</a:t>
+              <a:t>2021-09-14</a:t>
             </a:fld>
             <a:endParaRPr lang="ko-KR" altLang="en-US"/>
           </a:p>
@@ -3360,7 +3360,7 @@
           <a:p>
             <a:fld id="{338B227A-4250-4672-814E-276199C1A5ED}" type="datetimeFigureOut">
               <a:rPr lang="ko-KR" altLang="en-US" smtClean="0"/>
-              <a:t>2021-08-26</a:t>
+              <a:t>2021-09-14</a:t>
             </a:fld>
             <a:endParaRPr lang="ko-KR" altLang="en-US"/>
           </a:p>
@@ -3455,7 +3455,7 @@
           <a:p>
             <a:fld id="{338B227A-4250-4672-814E-276199C1A5ED}" type="datetimeFigureOut">
               <a:rPr lang="ko-KR" altLang="en-US" smtClean="0"/>
-              <a:t>2021-08-26</a:t>
+              <a:t>2021-09-14</a:t>
             </a:fld>
             <a:endParaRPr lang="ko-KR" altLang="en-US"/>
           </a:p>
@@ -3732,7 +3732,7 @@
           <a:p>
             <a:fld id="{338B227A-4250-4672-814E-276199C1A5ED}" type="datetimeFigureOut">
               <a:rPr lang="ko-KR" altLang="en-US" smtClean="0"/>
-              <a:t>2021-08-26</a:t>
+              <a:t>2021-09-14</a:t>
             </a:fld>
             <a:endParaRPr lang="ko-KR" altLang="en-US"/>
           </a:p>
@@ -3985,7 +3985,7 @@
           <a:p>
             <a:fld id="{338B227A-4250-4672-814E-276199C1A5ED}" type="datetimeFigureOut">
               <a:rPr lang="ko-KR" altLang="en-US" smtClean="0"/>
-              <a:t>2021-08-26</a:t>
+              <a:t>2021-09-14</a:t>
             </a:fld>
             <a:endParaRPr lang="ko-KR" altLang="en-US"/>
           </a:p>
@@ -4198,7 +4198,7 @@
           <a:p>
             <a:fld id="{338B227A-4250-4672-814E-276199C1A5ED}" type="datetimeFigureOut">
               <a:rPr lang="ko-KR" altLang="en-US" smtClean="0"/>
-              <a:t>2021-08-26</a:t>
+              <a:t>2021-09-14</a:t>
             </a:fld>
             <a:endParaRPr lang="ko-KR" altLang="en-US"/>
           </a:p>
@@ -17157,9 +17157,22 @@
                     <a:latin typeface="에스코어 드림 5 Medium" panose="020B0503030302020204" pitchFamily="34" charset="-127"/>
                     <a:ea typeface="에스코어 드림 5 Medium" panose="020B0503030302020204" pitchFamily="34" charset="-127"/>
                   </a:rPr>
-                  <a:t> 활용 창업경진대회 최우수상</a:t>
+                  <a:t> 활용 창업경진대회 </a:t>
+                </a:r>
+                <a:r>
+                  <a:rPr lang="ko-KR" altLang="en-US" sz="1200" dirty="0" smtClean="0">
+                    <a:solidFill>
+                      <a:srgbClr val="800000"/>
+                    </a:solidFill>
+                    <a:latin typeface="에스코어 드림 5 Medium" panose="020B0503030302020204" pitchFamily="34" charset="-127"/>
+                    <a:ea typeface="에스코어 드림 5 Medium" panose="020B0503030302020204" pitchFamily="34" charset="-127"/>
+                  </a:rPr>
+                  <a:t>최우수상</a:t>
                 </a:r>
                 <a:endParaRPr lang="en-US" altLang="ko-KR" sz="1200" dirty="0" smtClean="0">
+                  <a:solidFill>
+                    <a:srgbClr val="800000"/>
+                  </a:solidFill>
                   <a:latin typeface="에스코어 드림 5 Medium" panose="020B0503030302020204" pitchFamily="34" charset="-127"/>
                   <a:ea typeface="에스코어 드림 5 Medium" panose="020B0503030302020204" pitchFamily="34" charset="-127"/>
                 </a:endParaRPr>
@@ -17191,7 +17204,17 @@
                     <a:latin typeface="에스코어 드림 5 Medium" panose="020B0503030302020204" pitchFamily="34" charset="-127"/>
                     <a:ea typeface="에스코어 드림 5 Medium" panose="020B0503030302020204" pitchFamily="34" charset="-127"/>
                   </a:rPr>
-                  <a:t>회 창업경진대회 우수상</a:t>
+                  <a:t>회 창업경진대회 </a:t>
+                </a:r>
+                <a:r>
+                  <a:rPr lang="ko-KR" altLang="en-US" sz="1200" dirty="0" smtClean="0">
+                    <a:solidFill>
+                      <a:srgbClr val="800000"/>
+                    </a:solidFill>
+                    <a:latin typeface="에스코어 드림 5 Medium" panose="020B0503030302020204" pitchFamily="34" charset="-127"/>
+                    <a:ea typeface="에스코어 드림 5 Medium" panose="020B0503030302020204" pitchFamily="34" charset="-127"/>
+                  </a:rPr>
+                  <a:t>우수상</a:t>
                 </a:r>
                 <a:r>
                   <a:rPr lang="ko-KR" altLang="en-US" sz="1000" dirty="0" smtClean="0">
@@ -17261,7 +17284,17 @@
                     <a:latin typeface="에스코어 드림 5 Medium" panose="020B0503030302020204" pitchFamily="34" charset="-127"/>
                     <a:ea typeface="에스코어 드림 5 Medium" panose="020B0503030302020204" pitchFamily="34" charset="-127"/>
                   </a:rPr>
-                  <a:t>우수 창업 아이템 경진대회 입상</a:t>
+                  <a:t>우수 창업 아이템 경진대회 </a:t>
+                </a:r>
+                <a:r>
+                  <a:rPr lang="ko-KR" altLang="en-US" sz="1200" dirty="0" smtClean="0">
+                    <a:solidFill>
+                      <a:srgbClr val="800000"/>
+                    </a:solidFill>
+                    <a:latin typeface="에스코어 드림 5 Medium" panose="020B0503030302020204" pitchFamily="34" charset="-127"/>
+                    <a:ea typeface="에스코어 드림 5 Medium" panose="020B0503030302020204" pitchFamily="34" charset="-127"/>
+                  </a:rPr>
+                  <a:t>입상</a:t>
                 </a:r>
                 <a:r>
                   <a:rPr lang="ko-KR" altLang="en-US" sz="1000" dirty="0">
@@ -17352,7 +17385,17 @@
                     <a:latin typeface="에스코어 드림 5 Medium" panose="020B0503030302020204" pitchFamily="34" charset="-127"/>
                     <a:ea typeface="에스코어 드림 5 Medium" panose="020B0503030302020204" pitchFamily="34" charset="-127"/>
                   </a:rPr>
-                  <a:t> 경진대회 최우수상</a:t>
+                  <a:t> 경진대회 </a:t>
+                </a:r>
+                <a:r>
+                  <a:rPr lang="ko-KR" altLang="en-US" sz="1200" dirty="0" smtClean="0">
+                    <a:solidFill>
+                      <a:srgbClr val="800000"/>
+                    </a:solidFill>
+                    <a:latin typeface="에스코어 드림 5 Medium" panose="020B0503030302020204" pitchFamily="34" charset="-127"/>
+                    <a:ea typeface="에스코어 드림 5 Medium" panose="020B0503030302020204" pitchFamily="34" charset="-127"/>
+                  </a:rPr>
+                  <a:t>최우수상</a:t>
                 </a:r>
                 <a:r>
                   <a:rPr lang="ko-KR" altLang="en-US" sz="1000" dirty="0">
@@ -17429,7 +17472,17 @@
                     <a:latin typeface="에스코어 드림 5 Medium" panose="020B0503030302020204" pitchFamily="34" charset="-127"/>
                     <a:ea typeface="에스코어 드림 5 Medium" panose="020B0503030302020204" pitchFamily="34" charset="-127"/>
                   </a:rPr>
-                  <a:t>회 토론대회 장려상</a:t>
+                  <a:t>회 토론대회 </a:t>
+                </a:r>
+                <a:r>
+                  <a:rPr lang="ko-KR" altLang="en-US" sz="1200" dirty="0" smtClean="0">
+                    <a:solidFill>
+                      <a:srgbClr val="800000"/>
+                    </a:solidFill>
+                    <a:latin typeface="에스코어 드림 5 Medium" panose="020B0503030302020204" pitchFamily="34" charset="-127"/>
+                    <a:ea typeface="에스코어 드림 5 Medium" panose="020B0503030302020204" pitchFamily="34" charset="-127"/>
+                  </a:rPr>
+                  <a:t>장려상</a:t>
                 </a:r>
                 <a:r>
                   <a:rPr lang="ko-KR" altLang="en-US" sz="1000" dirty="0" smtClean="0">
@@ -17727,19 +17780,7 @@
                     <a:latin typeface="에스코어 드림 4 Regular" panose="020B0503030302020204" pitchFamily="34" charset="-127"/>
                     <a:ea typeface="에스코어 드림 4 Regular" panose="020B0503030302020204" pitchFamily="34" charset="-127"/>
                   </a:rPr>
-                  <a:t>(Main Author, 21.04</a:t>
-                </a:r>
-                <a:r>
-                  <a:rPr lang="en-US" altLang="ko-KR" sz="1100" dirty="0" smtClean="0">
-                    <a:solidFill>
-                      <a:schemeClr val="bg2">
-                        <a:lumMod val="50000"/>
-                      </a:schemeClr>
-                    </a:solidFill>
-                    <a:latin typeface="에스코어 드림 4 Regular" panose="020B0503030302020204" pitchFamily="34" charset="-127"/>
-                    <a:ea typeface="에스코어 드림 4 Regular" panose="020B0503030302020204" pitchFamily="34" charset="-127"/>
-                  </a:rPr>
-                  <a:t>.)</a:t>
+                  <a:t>(Main Author, 21.04.)</a:t>
                 </a:r>
               </a:p>
               <a:p>
@@ -17776,15 +17817,6 @@
                   </a:rPr>
                   <a:t>(21.08.)</a:t>
                 </a:r>
-                <a:endParaRPr lang="en-US" altLang="ko-KR" sz="1100" dirty="0" smtClean="0">
-                  <a:solidFill>
-                    <a:schemeClr val="bg2">
-                      <a:lumMod val="50000"/>
-                    </a:schemeClr>
-                  </a:solidFill>
-                  <a:latin typeface="에스코어 드림 4 Regular" panose="020B0503030302020204" pitchFamily="34" charset="-127"/>
-                  <a:ea typeface="에스코어 드림 4 Regular" panose="020B0503030302020204" pitchFamily="34" charset="-127"/>
-                </a:endParaRPr>
               </a:p>
               <a:p>
                 <a:pPr marL="285750" indent="-285750">
@@ -18810,16 +18842,16 @@
       </p:grpSp>
       <p:grpSp>
         <p:nvGrpSpPr>
-          <p:cNvPr id="14" name="그룹 13"/>
+          <p:cNvPr id="16" name="그룹 15"/>
           <p:cNvGrpSpPr/>
           <p:nvPr/>
         </p:nvGrpSpPr>
         <p:grpSpPr>
           <a:xfrm>
             <a:off x="7680167" y="3231762"/>
-            <a:ext cx="4434006" cy="1777598"/>
-            <a:chOff x="7741711" y="2996625"/>
-            <a:chExt cx="4434006" cy="1777598"/>
+            <a:ext cx="4434006" cy="2054206"/>
+            <a:chOff x="7680167" y="3231762"/>
+            <a:chExt cx="4434006" cy="2054206"/>
           </a:xfrm>
         </p:grpSpPr>
         <p:sp>
@@ -18830,8 +18862,8 @@
           </p:nvSpPr>
           <p:spPr>
             <a:xfrm>
-              <a:off x="7741711" y="3199733"/>
-              <a:ext cx="4434006" cy="1574490"/>
+              <a:off x="7680167" y="3434869"/>
+              <a:ext cx="4434006" cy="1851099"/>
             </a:xfrm>
             <a:prstGeom prst="roundRect">
               <a:avLst/>
@@ -18876,8 +18908,8 @@
           </p:nvSpPr>
           <p:spPr>
             <a:xfrm>
-              <a:off x="7887160" y="2996625"/>
-              <a:ext cx="824374" cy="400110"/>
+              <a:off x="7825616" y="3231762"/>
+              <a:ext cx="1588636" cy="400110"/>
             </a:xfrm>
             <a:prstGeom prst="rect">
               <a:avLst/>
@@ -18893,14 +18925,14 @@
             <a:lstStyle/>
             <a:p>
               <a:r>
-                <a:rPr lang="ko-KR" altLang="en-US" sz="2000" dirty="0" smtClean="0">
+                <a:rPr lang="ko-KR" altLang="en-US" sz="2000" smtClean="0">
                   <a:solidFill>
                     <a:srgbClr val="6699FF"/>
                   </a:solidFill>
                   <a:latin typeface="에스코어 드림 7 ExtraBold" panose="020B0803030302020204" pitchFamily="34" charset="-127"/>
                   <a:ea typeface="에스코어 드림 7 ExtraBold" panose="020B0803030302020204" pitchFamily="34" charset="-127"/>
                 </a:rPr>
-                <a:t>논 문</a:t>
+                <a:t>논문 및 특허</a:t>
               </a:r>
               <a:endParaRPr lang="ko-KR" altLang="en-US" sz="2000" dirty="0">
                 <a:solidFill>
@@ -18920,8 +18952,8 @@
           </p:nvSpPr>
           <p:spPr>
             <a:xfrm>
-              <a:off x="7950813" y="3371212"/>
-              <a:ext cx="4224904" cy="1200329"/>
+              <a:off x="7889269" y="3606349"/>
+              <a:ext cx="4224904" cy="1569660"/>
             </a:xfrm>
             <a:prstGeom prst="rect">
               <a:avLst/>
@@ -19023,25 +19055,11 @@
                 <a:buChar char="•"/>
               </a:pPr>
               <a:r>
-                <a:rPr lang="en-US" altLang="ko-KR" sz="1200" strike="sngStrike" dirty="0" err="1" smtClean="0">
+                <a:rPr lang="ko-KR" altLang="en-US" sz="1200" strike="sngStrike" dirty="0" smtClean="0">
                   <a:latin typeface="에스코어 드림 5 Medium" panose="020B0503030302020204" pitchFamily="34" charset="-127"/>
                   <a:ea typeface="에스코어 드림 5 Medium" panose="020B0503030302020204" pitchFamily="34" charset="-127"/>
                 </a:rPr>
-                <a:t>OpenCV</a:t>
-              </a:r>
-              <a:r>
-                <a:rPr lang="en-US" altLang="ko-KR" sz="1200" strike="sngStrike" dirty="0" smtClean="0">
-                  <a:latin typeface="에스코어 드림 5 Medium" panose="020B0503030302020204" pitchFamily="34" charset="-127"/>
-                  <a:ea typeface="에스코어 드림 5 Medium" panose="020B0503030302020204" pitchFamily="34" charset="-127"/>
-                </a:rPr>
-                <a:t> </a:t>
-              </a:r>
-              <a:r>
-                <a:rPr lang="ko-KR" altLang="en-US" sz="1200" strike="sngStrike" dirty="0">
-                  <a:latin typeface="에스코어 드림 5 Medium" panose="020B0503030302020204" pitchFamily="34" charset="-127"/>
-                  <a:ea typeface="에스코어 드림 5 Medium" panose="020B0503030302020204" pitchFamily="34" charset="-127"/>
-                </a:rPr>
-                <a:t>기반의 </a:t>
+                <a:t>인공지능 기반 </a:t>
               </a:r>
               <a:r>
                 <a:rPr lang="ko-KR" altLang="en-US" sz="1200" strike="sngStrike" dirty="0" err="1">
@@ -19069,6 +19087,81 @@
                 <a:ea typeface="에스코어 드림 5 Medium" panose="020B0503030302020204" pitchFamily="34" charset="-127"/>
               </a:endParaRPr>
             </a:p>
+            <a:p>
+              <a:pPr marL="171450" indent="-171450">
+                <a:lnSpc>
+                  <a:spcPct val="200000"/>
+                </a:lnSpc>
+                <a:buFont typeface="Arial" panose="020B0604020202020204" pitchFamily="34" charset="0"/>
+                <a:buChar char="•"/>
+              </a:pPr>
+              <a:r>
+                <a:rPr lang="ko-KR" altLang="en-US" sz="1200" dirty="0" err="1" smtClean="0">
+                  <a:latin typeface="에스코어 드림 5 Medium" panose="020B0503030302020204" pitchFamily="34" charset="-127"/>
+                  <a:ea typeface="에스코어 드림 5 Medium" panose="020B0503030302020204" pitchFamily="34" charset="-127"/>
+                </a:rPr>
+                <a:t>딥러닝을</a:t>
+              </a:r>
+              <a:r>
+                <a:rPr lang="ko-KR" altLang="en-US" sz="1200" dirty="0" smtClean="0">
+                  <a:latin typeface="에스코어 드림 5 Medium" panose="020B0503030302020204" pitchFamily="34" charset="-127"/>
+                  <a:ea typeface="에스코어 드림 5 Medium" panose="020B0503030302020204" pitchFamily="34" charset="-127"/>
+                </a:rPr>
+                <a:t> 이용한 종교 감성 분석 장치 및 방법</a:t>
+              </a:r>
+              <a:r>
+                <a:rPr lang="en-US" altLang="ko-KR" sz="1200" dirty="0">
+                  <a:latin typeface="에스코어 드림 5 Medium" panose="020B0503030302020204" pitchFamily="34" charset="-127"/>
+                  <a:ea typeface="에스코어 드림 5 Medium" panose="020B0503030302020204" pitchFamily="34" charset="-127"/>
+                </a:rPr>
+                <a:t> </a:t>
+              </a:r>
+              <a:r>
+                <a:rPr lang="en-US" altLang="ko-KR" sz="1200" dirty="0" smtClean="0">
+                  <a:solidFill>
+                    <a:schemeClr val="bg1">
+                      <a:lumMod val="50000"/>
+                    </a:schemeClr>
+                  </a:solidFill>
+                  <a:latin typeface="에스코어 드림 5 Medium" panose="020B0503030302020204" pitchFamily="34" charset="-127"/>
+                  <a:ea typeface="에스코어 드림 5 Medium" panose="020B0503030302020204" pitchFamily="34" charset="-127"/>
+                </a:rPr>
+                <a:t>(</a:t>
+              </a:r>
+              <a:r>
+                <a:rPr lang="ko-KR" altLang="en-US" sz="1200" dirty="0" smtClean="0">
+                  <a:solidFill>
+                    <a:schemeClr val="bg1">
+                      <a:lumMod val="50000"/>
+                    </a:schemeClr>
+                  </a:solidFill>
+                  <a:latin typeface="에스코어 드림 5 Medium" panose="020B0503030302020204" pitchFamily="34" charset="-127"/>
+                  <a:ea typeface="에스코어 드림 5 Medium" panose="020B0503030302020204" pitchFamily="34" charset="-127"/>
+                </a:rPr>
+                <a:t>특허</a:t>
+              </a:r>
+              <a:r>
+                <a:rPr lang="en-US" altLang="ko-KR" sz="1200" dirty="0" smtClean="0">
+                  <a:solidFill>
+                    <a:schemeClr val="bg1">
+                      <a:lumMod val="50000"/>
+                    </a:schemeClr>
+                  </a:solidFill>
+                  <a:latin typeface="에스코어 드림 5 Medium" panose="020B0503030302020204" pitchFamily="34" charset="-127"/>
+                  <a:ea typeface="에스코어 드림 5 Medium" panose="020B0503030302020204" pitchFamily="34" charset="-127"/>
+                </a:rPr>
+                <a:t>)</a:t>
+              </a:r>
+              <a:endParaRPr lang="en-US" altLang="ko-KR" sz="1200" dirty="0" smtClean="0">
+                <a:solidFill>
+                  <a:schemeClr val="bg1">
+                    <a:lumMod val="50000"/>
+                  </a:schemeClr>
+                </a:solidFill>
+                <a:latin typeface="에스코어 드림 5 Medium" panose="020B0503030302020204" pitchFamily="34" charset="-127"/>
+                <a:ea typeface="에스코어 드림 5 Medium" panose="020B0503030302020204" pitchFamily="34" charset="-127"/>
+              </a:endParaRPr>
+            </a:p>
           </p:txBody>
         </p:sp>
       </p:grpSp>
@@ -19080,7 +19173,7 @@
         </p:nvGrpSpPr>
         <p:grpSpPr>
           <a:xfrm>
-            <a:off x="7670694" y="5180839"/>
+            <a:off x="7670694" y="5408452"/>
             <a:ext cx="2876330" cy="1341887"/>
             <a:chOff x="7670694" y="4945702"/>
             <a:chExt cx="2876330" cy="1341887"/>
@@ -20771,28 +20864,7 @@
                 <a:latin typeface="에스코어 드림 6 Bold" panose="020B0703030302020204" pitchFamily="34" charset="-127"/>
                 <a:ea typeface="에스코어 드림 6 Bold" panose="020B0703030302020204" pitchFamily="34" charset="-127"/>
               </a:rPr>
-              <a:t>출산율 </a:t>
-            </a:r>
-            <a:r>
-              <a:rPr lang="ko-KR" altLang="en-US" sz="2000" dirty="0" smtClean="0">
-                <a:latin typeface="에스코어 드림 6 Bold" panose="020B0703030302020204" pitchFamily="34" charset="-127"/>
-                <a:ea typeface="에스코어 드림 6 Bold" panose="020B0703030302020204" pitchFamily="34" charset="-127"/>
-              </a:rPr>
-              <a:t>감소</a:t>
-            </a:r>
-            <a:r>
-              <a:rPr lang="ko-KR" altLang="en-US" sz="2000" dirty="0" smtClean="0">
-                <a:latin typeface="에스코어 드림 6 Bold" panose="020B0703030302020204" pitchFamily="34" charset="-127"/>
-                <a:ea typeface="에스코어 드림 6 Bold" panose="020B0703030302020204" pitchFamily="34" charset="-127"/>
-              </a:rPr>
-              <a:t>에 </a:t>
-            </a:r>
-            <a:r>
-              <a:rPr lang="ko-KR" altLang="en-US" sz="2000" dirty="0" smtClean="0">
-                <a:latin typeface="에스코어 드림 6 Bold" panose="020B0703030302020204" pitchFamily="34" charset="-127"/>
-                <a:ea typeface="에스코어 드림 6 Bold" panose="020B0703030302020204" pitchFamily="34" charset="-127"/>
-              </a:rPr>
-              <a:t>따른 </a:t>
+              <a:t>출산율 감소에 따른 </a:t>
             </a:r>
             <a:r>
               <a:rPr lang="ko-KR" altLang="en-US" sz="2000" dirty="0" err="1" smtClean="0">
@@ -20833,14 +20905,7 @@
                 <a:latin typeface="에스코어 드림 5 Medium" panose="020B0503030302020204" pitchFamily="34" charset="-127"/>
                 <a:ea typeface="에스코어 드림 5 Medium" panose="020B0503030302020204" pitchFamily="34" charset="-127"/>
               </a:rPr>
-              <a:t>Rates</a:t>
-            </a:r>
-            <a:r>
-              <a:rPr lang="en-US" altLang="ko-KR" sz="1600" dirty="0" smtClean="0">
-                <a:latin typeface="에스코어 드림 5 Medium" panose="020B0503030302020204" pitchFamily="34" charset="-127"/>
-                <a:ea typeface="에스코어 드림 5 Medium" panose="020B0503030302020204" pitchFamily="34" charset="-127"/>
-              </a:rPr>
-              <a:t>)</a:t>
+              <a:t>Rates)</a:t>
             </a:r>
             <a:endParaRPr lang="en-US" altLang="ko-KR" sz="1600" dirty="0">
               <a:latin typeface="에스코어 드림 5 Medium" panose="020B0503030302020204" pitchFamily="34" charset="-127"/>
@@ -20876,14 +20941,7 @@
                 <a:latin typeface="에스코어 드림 3 Light" panose="020B0303030302020204" pitchFamily="34" charset="-127"/>
                 <a:ea typeface="에스코어 드림 3 Light" panose="020B0303030302020204" pitchFamily="34" charset="-127"/>
               </a:rPr>
-              <a:t>Big Data, Machine Learning, Deep Learning, </a:t>
-            </a:r>
-            <a:r>
-              <a:rPr lang="en-US" altLang="ko-KR" sz="1200" dirty="0" smtClean="0">
-                <a:latin typeface="에스코어 드림 3 Light" panose="020B0303030302020204" pitchFamily="34" charset="-127"/>
-                <a:ea typeface="에스코어 드림 3 Light" panose="020B0303030302020204" pitchFamily="34" charset="-127"/>
-              </a:rPr>
-              <a:t>Text Classification</a:t>
+              <a:t>Big Data, Machine Learning, Deep Learning, Text Classification</a:t>
             </a:r>
             <a:endParaRPr lang="ko-KR" altLang="en-US" sz="1200" dirty="0">
               <a:latin typeface="에스코어 드림 3 Light" panose="020B0303030302020204" pitchFamily="34" charset="-127"/>
@@ -20982,21 +21040,7 @@
                 <a:latin typeface="에스코어 드림 3 Light" panose="020B0303030302020204" pitchFamily="34" charset="-127"/>
                 <a:ea typeface="에스코어 드림 3 Light" panose="020B0303030302020204" pitchFamily="34" charset="-127"/>
               </a:rPr>
-              <a:t>, Selenium</a:t>
-            </a:r>
-            <a:r>
-              <a:rPr lang="en-US" altLang="ko-KR" sz="1100" dirty="0" smtClean="0">
-                <a:latin typeface="에스코어 드림 3 Light" panose="020B0303030302020204" pitchFamily="34" charset="-127"/>
-                <a:ea typeface="에스코어 드림 3 Light" panose="020B0303030302020204" pitchFamily="34" charset="-127"/>
-              </a:rPr>
-              <a:t>, </a:t>
-            </a:r>
-            <a:r>
-              <a:rPr lang="en-US" altLang="ko-KR" sz="1100" dirty="0" smtClean="0">
-                <a:latin typeface="에스코어 드림 3 Light" panose="020B0303030302020204" pitchFamily="34" charset="-127"/>
-                <a:ea typeface="에스코어 드림 3 Light" panose="020B0303030302020204" pitchFamily="34" charset="-127"/>
-              </a:rPr>
-              <a:t>BeautifulSoup4</a:t>
+              <a:t>, Selenium, BeautifulSoup4</a:t>
             </a:r>
             <a:endParaRPr lang="ko-KR" altLang="en-US" sz="1100" dirty="0">
               <a:latin typeface="에스코어 드림 3 Light" panose="020B0303030302020204" pitchFamily="34" charset="-127"/>
@@ -21094,14 +21138,7 @@
                 <a:latin typeface="에스코어 드림 3 Light" panose="020B0303030302020204" pitchFamily="34" charset="-127"/>
                 <a:ea typeface="에스코어 드림 3 Light" panose="020B0303030302020204" pitchFamily="34" charset="-127"/>
               </a:rPr>
-              <a:t>온라인 </a:t>
-            </a:r>
-            <a:r>
-              <a:rPr lang="ko-KR" altLang="en-US" sz="1200" dirty="0" smtClean="0">
-                <a:latin typeface="에스코어 드림 3 Light" panose="020B0303030302020204" pitchFamily="34" charset="-127"/>
-                <a:ea typeface="에스코어 드림 3 Light" panose="020B0303030302020204" pitchFamily="34" charset="-127"/>
-              </a:rPr>
-              <a:t>공간에서 대중들의 반응을 수집하여 이를 분석하여 사실을 입증함</a:t>
+              <a:t>온라인 공간에서 대중들의 반응을 수집하여 이를 분석하여 사실을 입증함</a:t>
             </a:r>
             <a:endParaRPr lang="en-US" altLang="ko-KR" sz="1200" dirty="0" smtClean="0">
               <a:latin typeface="에스코어 드림 3 Light" panose="020B0303030302020204" pitchFamily="34" charset="-127"/>
@@ -21149,42 +21186,21 @@
                 <a:latin typeface="에스코어 드림 3 Light" panose="020B0303030302020204" pitchFamily="34" charset="-127"/>
                 <a:ea typeface="에스코어 드림 3 Light" panose="020B0303030302020204" pitchFamily="34" charset="-127"/>
               </a:rPr>
-              <a:t>키워드로 </a:t>
+              <a:t>키워드로 검색한 최근 </a:t>
+            </a:r>
+            <a:r>
+              <a:rPr lang="en-US" altLang="ko-KR" sz="1200" dirty="0" smtClean="0">
+                <a:latin typeface="에스코어 드림 3 Light" panose="020B0303030302020204" pitchFamily="34" charset="-127"/>
+                <a:ea typeface="에스코어 드림 3 Light" panose="020B0303030302020204" pitchFamily="34" charset="-127"/>
+              </a:rPr>
+              <a:t>3</a:t>
             </a:r>
             <a:r>
               <a:rPr lang="ko-KR" altLang="en-US" sz="1200" dirty="0" smtClean="0">
                 <a:latin typeface="에스코어 드림 3 Light" panose="020B0303030302020204" pitchFamily="34" charset="-127"/>
                 <a:ea typeface="에스코어 드림 3 Light" panose="020B0303030302020204" pitchFamily="34" charset="-127"/>
               </a:rPr>
-              <a:t>검색한 </a:t>
-            </a:r>
-            <a:r>
-              <a:rPr lang="ko-KR" altLang="en-US" sz="1200" dirty="0" smtClean="0">
-                <a:latin typeface="에스코어 드림 3 Light" panose="020B0303030302020204" pitchFamily="34" charset="-127"/>
-                <a:ea typeface="에스코어 드림 3 Light" panose="020B0303030302020204" pitchFamily="34" charset="-127"/>
-              </a:rPr>
-              <a:t>최근 </a:t>
-            </a:r>
-            <a:r>
-              <a:rPr lang="en-US" altLang="ko-KR" sz="1200" dirty="0" smtClean="0">
-                <a:latin typeface="에스코어 드림 3 Light" panose="020B0303030302020204" pitchFamily="34" charset="-127"/>
-                <a:ea typeface="에스코어 드림 3 Light" panose="020B0303030302020204" pitchFamily="34" charset="-127"/>
-              </a:rPr>
-              <a:t>3</a:t>
-            </a:r>
-            <a:r>
-              <a:rPr lang="ko-KR" altLang="en-US" sz="1200" dirty="0" smtClean="0">
-                <a:latin typeface="에스코어 드림 3 Light" panose="020B0303030302020204" pitchFamily="34" charset="-127"/>
-                <a:ea typeface="에스코어 드림 3 Light" panose="020B0303030302020204" pitchFamily="34" charset="-127"/>
-              </a:rPr>
-              <a:t>년 간의</a:t>
-            </a:r>
-            <a:r>
-              <a:rPr lang="ko-KR" altLang="en-US" sz="1200" dirty="0" smtClean="0">
-                <a:latin typeface="에스코어 드림 3 Light" panose="020B0303030302020204" pitchFamily="34" charset="-127"/>
-                <a:ea typeface="에스코어 드림 3 Light" panose="020B0303030302020204" pitchFamily="34" charset="-127"/>
-              </a:rPr>
-              <a:t> 뉴스 기사 댓글 수집</a:t>
+              <a:t>년 간의 뉴스 기사 댓글 수집</a:t>
             </a:r>
             <a:endParaRPr lang="en-US" altLang="ko-KR" sz="1200" dirty="0" smtClean="0">
               <a:latin typeface="에스코어 드림 3 Light" panose="020B0303030302020204" pitchFamily="34" charset="-127"/>
@@ -21218,49 +21234,35 @@
                 <a:latin typeface="에스코어 드림 3 Light" panose="020B0303030302020204" pitchFamily="34" charset="-127"/>
                 <a:ea typeface="에스코어 드림 3 Light" panose="020B0303030302020204" pitchFamily="34" charset="-127"/>
               </a:rPr>
-              <a:t>만 </a:t>
+              <a:t>만 개의 뉴스 댓글 수집 후</a:t>
+            </a:r>
+            <a:r>
+              <a:rPr lang="en-US" altLang="ko-KR" sz="1200" dirty="0" smtClean="0">
+                <a:latin typeface="에스코어 드림 3 Light" panose="020B0303030302020204" pitchFamily="34" charset="-127"/>
+                <a:ea typeface="에스코어 드림 3 Light" panose="020B0303030302020204" pitchFamily="34" charset="-127"/>
+              </a:rPr>
+              <a:t>, </a:t>
+            </a:r>
+            <a:r>
+              <a:rPr lang="en-US" altLang="ko-KR" sz="1200" dirty="0" err="1" smtClean="0">
+                <a:latin typeface="에스코어 드림 3 Light" panose="020B0303030302020204" pitchFamily="34" charset="-127"/>
+                <a:ea typeface="에스코어 드림 3 Light" panose="020B0303030302020204" pitchFamily="34" charset="-127"/>
+              </a:rPr>
+              <a:t>mecab</a:t>
+            </a:r>
+            <a:r>
+              <a:rPr lang="ko-KR" altLang="en-US" sz="1200" dirty="0">
+                <a:latin typeface="에스코어 드림 3 Light" panose="020B0303030302020204" pitchFamily="34" charset="-127"/>
+                <a:ea typeface="에스코어 드림 3 Light" panose="020B0303030302020204" pitchFamily="34" charset="-127"/>
+              </a:rPr>
+              <a:t>을</a:t>
             </a:r>
             <a:r>
               <a:rPr lang="ko-KR" altLang="en-US" sz="1200" dirty="0" smtClean="0">
                 <a:latin typeface="에스코어 드림 3 Light" panose="020B0303030302020204" pitchFamily="34" charset="-127"/>
                 <a:ea typeface="에스코어 드림 3 Light" panose="020B0303030302020204" pitchFamily="34" charset="-127"/>
               </a:rPr>
-              <a:t>개의 뉴스 댓글 수집 후</a:t>
-            </a:r>
-            <a:r>
-              <a:rPr lang="en-US" altLang="ko-KR" sz="1200" dirty="0" smtClean="0">
-                <a:latin typeface="에스코어 드림 3 Light" panose="020B0303030302020204" pitchFamily="34" charset="-127"/>
-                <a:ea typeface="에스코어 드림 3 Light" panose="020B0303030302020204" pitchFamily="34" charset="-127"/>
-              </a:rPr>
-              <a:t>, </a:t>
-            </a:r>
-            <a:r>
-              <a:rPr lang="en-US" altLang="ko-KR" sz="1200" dirty="0" err="1" smtClean="0">
-                <a:latin typeface="에스코어 드림 3 Light" panose="020B0303030302020204" pitchFamily="34" charset="-127"/>
-                <a:ea typeface="에스코어 드림 3 Light" panose="020B0303030302020204" pitchFamily="34" charset="-127"/>
-              </a:rPr>
-              <a:t>mecab</a:t>
-            </a:r>
-            <a:r>
-              <a:rPr lang="ko-KR" altLang="en-US" sz="1200" dirty="0">
-                <a:latin typeface="에스코어 드림 3 Light" panose="020B0303030302020204" pitchFamily="34" charset="-127"/>
-                <a:ea typeface="에스코어 드림 3 Light" panose="020B0303030302020204" pitchFamily="34" charset="-127"/>
-              </a:rPr>
-              <a:t>을</a:t>
-            </a:r>
-            <a:r>
-              <a:rPr lang="ko-KR" altLang="en-US" sz="1200" dirty="0" smtClean="0">
-                <a:latin typeface="에스코어 드림 3 Light" panose="020B0303030302020204" pitchFamily="34" charset="-127"/>
-                <a:ea typeface="에스코어 드림 3 Light" panose="020B0303030302020204" pitchFamily="34" charset="-127"/>
-              </a:rPr>
-              <a:t> </a:t>
-            </a:r>
-            <a:r>
-              <a:rPr lang="ko-KR" altLang="en-US" sz="1200" dirty="0" smtClean="0">
-                <a:latin typeface="에스코어 드림 3 Light" panose="020B0303030302020204" pitchFamily="34" charset="-127"/>
-                <a:ea typeface="에스코어 드림 3 Light" panose="020B0303030302020204" pitchFamily="34" charset="-127"/>
-              </a:rPr>
-              <a:t>이용한 </a:t>
+              <a:t> 이용한 </a:t>
             </a:r>
             <a:r>
               <a:rPr lang="en-US" altLang="ko-KR" sz="1200" dirty="0" smtClean="0">
@@ -21389,10 +21391,6 @@
               </a:rPr>
               <a:t>Fine Tuning</a:t>
             </a:r>
-            <a:endParaRPr lang="en-US" altLang="ko-KR" sz="1200" dirty="0" smtClean="0">
-              <a:latin typeface="에스코어 드림 3 Light" panose="020B0303030302020204" pitchFamily="34" charset="-127"/>
-              <a:ea typeface="에스코어 드림 3 Light" panose="020B0303030302020204" pitchFamily="34" charset="-127"/>
-            </a:endParaRPr>
           </a:p>
           <a:p>
             <a:pPr marL="171450" indent="-171450">
@@ -21428,14 +21426,7 @@
                 <a:latin typeface="에스코어 드림 3 Light" panose="020B0303030302020204" pitchFamily="34" charset="-127"/>
                 <a:ea typeface="에스코어 드림 3 Light" panose="020B0303030302020204" pitchFamily="34" charset="-127"/>
               </a:rPr>
-              <a:t>만 </a:t>
-            </a:r>
-            <a:r>
-              <a:rPr lang="ko-KR" altLang="en-US" sz="1200" dirty="0" smtClean="0">
-                <a:latin typeface="에스코어 드림 3 Light" panose="020B0303030302020204" pitchFamily="34" charset="-127"/>
-                <a:ea typeface="에스코어 드림 3 Light" panose="020B0303030302020204" pitchFamily="34" charset="-127"/>
-              </a:rPr>
-              <a:t>개 댓글의 감성 값을 레이블링하여 훈련 데이터 생성</a:t>
+              <a:t>만 개 댓글의 감성 값을 레이블링하여 훈련 데이터 생성</a:t>
             </a:r>
             <a:endParaRPr lang="en-US" altLang="ko-KR" sz="1200" dirty="0" smtClean="0">
               <a:latin typeface="에스코어 드림 3 Light" panose="020B0303030302020204" pitchFamily="34" charset="-127"/>
@@ -21469,35 +21460,21 @@
                 <a:latin typeface="에스코어 드림 3 Light" panose="020B0303030302020204" pitchFamily="34" charset="-127"/>
                 <a:ea typeface="에스코어 드림 3 Light" panose="020B0303030302020204" pitchFamily="34" charset="-127"/>
               </a:rPr>
-              <a:t>모델 </a:t>
+              <a:t>모델 적용하여</a:t>
+            </a:r>
+            <a:r>
+              <a:rPr lang="en-US" altLang="ko-KR" sz="1200" dirty="0" smtClean="0">
+                <a:latin typeface="에스코어 드림 3 Light" panose="020B0303030302020204" pitchFamily="34" charset="-127"/>
+                <a:ea typeface="에스코어 드림 3 Light" panose="020B0303030302020204" pitchFamily="34" charset="-127"/>
+              </a:rPr>
+              <a:t>, 2</a:t>
             </a:r>
             <a:r>
               <a:rPr lang="ko-KR" altLang="en-US" sz="1200" dirty="0" smtClean="0">
                 <a:latin typeface="에스코어 드림 3 Light" panose="020B0303030302020204" pitchFamily="34" charset="-127"/>
                 <a:ea typeface="에스코어 드림 3 Light" panose="020B0303030302020204" pitchFamily="34" charset="-127"/>
               </a:rPr>
-              <a:t>적용하여</a:t>
-            </a:r>
-            <a:r>
-              <a:rPr lang="en-US" altLang="ko-KR" sz="1200" dirty="0" smtClean="0">
-                <a:latin typeface="에스코어 드림 3 Light" panose="020B0303030302020204" pitchFamily="34" charset="-127"/>
-                <a:ea typeface="에스코어 드림 3 Light" panose="020B0303030302020204" pitchFamily="34" charset="-127"/>
-              </a:rPr>
-              <a:t>, 2</a:t>
-            </a:r>
-            <a:r>
-              <a:rPr lang="ko-KR" altLang="en-US" sz="1200" dirty="0" smtClean="0">
-                <a:latin typeface="에스코어 드림 3 Light" panose="020B0303030302020204" pitchFamily="34" charset="-127"/>
-                <a:ea typeface="에스코어 드림 3 Light" panose="020B0303030302020204" pitchFamily="34" charset="-127"/>
-              </a:rPr>
-              <a:t>가지 방법으로 </a:t>
-            </a:r>
-            <a:r>
-              <a:rPr lang="ko-KR" altLang="en-US" sz="1200" dirty="0" smtClean="0">
-                <a:latin typeface="에스코어 드림 3 Light" panose="020B0303030302020204" pitchFamily="34" charset="-127"/>
-                <a:ea typeface="에스코어 드림 3 Light" panose="020B0303030302020204" pitchFamily="34" charset="-127"/>
-              </a:rPr>
-              <a:t>감성 값 예측</a:t>
+              <a:t>가지 방법으로 감성 값 예측</a:t>
             </a:r>
             <a:endParaRPr lang="en-US" altLang="ko-KR" sz="1200" dirty="0" smtClean="0">
               <a:latin typeface="에스코어 드림 3 Light" panose="020B0303030302020204" pitchFamily="34" charset="-127"/>

--- a/Portfolio2021.pptx
+++ b/Portfolio2021.pptx
@@ -219,7 +219,7 @@
           <a:p>
             <a:fld id="{3EE2CDC4-F299-43EF-8E03-4FB84488FDC5}" type="datetimeFigureOut">
               <a:rPr lang="ko-KR" altLang="en-US" smtClean="0"/>
-              <a:t>2021-09-14</a:t>
+              <a:t>2021-11-13</a:t>
             </a:fld>
             <a:endParaRPr lang="ko-KR" altLang="en-US"/>
           </a:p>
@@ -727,7 +727,7 @@
           <a:p>
             <a:fld id="{338B227A-4250-4672-814E-276199C1A5ED}" type="datetimeFigureOut">
               <a:rPr lang="ko-KR" altLang="en-US" smtClean="0"/>
-              <a:t>2021-09-14</a:t>
+              <a:t>2021-11-13</a:t>
             </a:fld>
             <a:endParaRPr lang="ko-KR" altLang="en-US"/>
           </a:p>
@@ -897,7 +897,7 @@
           <a:p>
             <a:fld id="{338B227A-4250-4672-814E-276199C1A5ED}" type="datetimeFigureOut">
               <a:rPr lang="ko-KR" altLang="en-US" smtClean="0"/>
-              <a:t>2021-09-14</a:t>
+              <a:t>2021-11-13</a:t>
             </a:fld>
             <a:endParaRPr lang="ko-KR" altLang="en-US"/>
           </a:p>
@@ -1077,7 +1077,7 @@
           <a:p>
             <a:fld id="{338B227A-4250-4672-814E-276199C1A5ED}" type="datetimeFigureOut">
               <a:rPr lang="ko-KR" altLang="en-US" smtClean="0"/>
-              <a:t>2021-09-14</a:t>
+              <a:t>2021-11-13</a:t>
             </a:fld>
             <a:endParaRPr lang="ko-KR" altLang="en-US"/>
           </a:p>
@@ -2397,7 +2397,7 @@
           <a:p>
             <a:fld id="{338B227A-4250-4672-814E-276199C1A5ED}" type="datetimeFigureOut">
               <a:rPr lang="ko-KR" altLang="en-US" smtClean="0"/>
-              <a:t>2021-09-14</a:t>
+              <a:t>2021-11-13</a:t>
             </a:fld>
             <a:endParaRPr lang="ko-KR" altLang="en-US"/>
           </a:p>
@@ -2643,7 +2643,7 @@
           <a:p>
             <a:fld id="{338B227A-4250-4672-814E-276199C1A5ED}" type="datetimeFigureOut">
               <a:rPr lang="ko-KR" altLang="en-US" smtClean="0"/>
-              <a:t>2021-09-14</a:t>
+              <a:t>2021-11-13</a:t>
             </a:fld>
             <a:endParaRPr lang="ko-KR" altLang="en-US"/>
           </a:p>
@@ -2875,7 +2875,7 @@
           <a:p>
             <a:fld id="{338B227A-4250-4672-814E-276199C1A5ED}" type="datetimeFigureOut">
               <a:rPr lang="ko-KR" altLang="en-US" smtClean="0"/>
-              <a:t>2021-09-14</a:t>
+              <a:t>2021-11-13</a:t>
             </a:fld>
             <a:endParaRPr lang="ko-KR" altLang="en-US"/>
           </a:p>
@@ -3242,7 +3242,7 @@
           <a:p>
             <a:fld id="{338B227A-4250-4672-814E-276199C1A5ED}" type="datetimeFigureOut">
               <a:rPr lang="ko-KR" altLang="en-US" smtClean="0"/>
-              <a:t>2021-09-14</a:t>
+              <a:t>2021-11-13</a:t>
             </a:fld>
             <a:endParaRPr lang="ko-KR" altLang="en-US"/>
           </a:p>
@@ -3360,7 +3360,7 @@
           <a:p>
             <a:fld id="{338B227A-4250-4672-814E-276199C1A5ED}" type="datetimeFigureOut">
               <a:rPr lang="ko-KR" altLang="en-US" smtClean="0"/>
-              <a:t>2021-09-14</a:t>
+              <a:t>2021-11-13</a:t>
             </a:fld>
             <a:endParaRPr lang="ko-KR" altLang="en-US"/>
           </a:p>
@@ -3455,7 +3455,7 @@
           <a:p>
             <a:fld id="{338B227A-4250-4672-814E-276199C1A5ED}" type="datetimeFigureOut">
               <a:rPr lang="ko-KR" altLang="en-US" smtClean="0"/>
-              <a:t>2021-09-14</a:t>
+              <a:t>2021-11-13</a:t>
             </a:fld>
             <a:endParaRPr lang="ko-KR" altLang="en-US"/>
           </a:p>
@@ -3732,7 +3732,7 @@
           <a:p>
             <a:fld id="{338B227A-4250-4672-814E-276199C1A5ED}" type="datetimeFigureOut">
               <a:rPr lang="ko-KR" altLang="en-US" smtClean="0"/>
-              <a:t>2021-09-14</a:t>
+              <a:t>2021-11-13</a:t>
             </a:fld>
             <a:endParaRPr lang="ko-KR" altLang="en-US"/>
           </a:p>
@@ -3985,7 +3985,7 @@
           <a:p>
             <a:fld id="{338B227A-4250-4672-814E-276199C1A5ED}" type="datetimeFigureOut">
               <a:rPr lang="ko-KR" altLang="en-US" smtClean="0"/>
-              <a:t>2021-09-14</a:t>
+              <a:t>2021-11-13</a:t>
             </a:fld>
             <a:endParaRPr lang="ko-KR" altLang="en-US"/>
           </a:p>
@@ -4198,7 +4198,7 @@
           <a:p>
             <a:fld id="{338B227A-4250-4672-814E-276199C1A5ED}" type="datetimeFigureOut">
               <a:rPr lang="ko-KR" altLang="en-US" smtClean="0"/>
-              <a:t>2021-09-14</a:t>
+              <a:t>2021-11-13</a:t>
             </a:fld>
             <a:endParaRPr lang="ko-KR" altLang="en-US"/>
           </a:p>
@@ -19055,32 +19055,61 @@
                 <a:buChar char="•"/>
               </a:pPr>
               <a:r>
-                <a:rPr lang="ko-KR" altLang="en-US" sz="1200" strike="sngStrike" dirty="0" smtClean="0">
+                <a:rPr lang="ko-KR" altLang="en-US" sz="1200" dirty="0" err="1">
                   <a:latin typeface="에스코어 드림 5 Medium" panose="020B0503030302020204" pitchFamily="34" charset="-127"/>
                   <a:ea typeface="에스코어 드림 5 Medium" panose="020B0503030302020204" pitchFamily="34" charset="-127"/>
                 </a:rPr>
-                <a:t>인공지능 기반 </a:t>
+                <a:t>피포페인팅</a:t>
               </a:r>
               <a:r>
-                <a:rPr lang="ko-KR" altLang="en-US" sz="1200" strike="sngStrike" dirty="0" err="1">
+                <a:rPr lang="ko-KR" altLang="en-US" sz="1200" dirty="0">
                   <a:latin typeface="에스코어 드림 5 Medium" panose="020B0503030302020204" pitchFamily="34" charset="-127"/>
                   <a:ea typeface="에스코어 드림 5 Medium" panose="020B0503030302020204" pitchFamily="34" charset="-127"/>
                 </a:rPr>
-                <a:t>피포</a:t>
+                <a:t> 이미지 자동변환방법 및 </a:t>
               </a:r>
               <a:r>
-                <a:rPr lang="ko-KR" altLang="en-US" sz="1200" strike="sngStrike" dirty="0">
+                <a:rPr lang="ko-KR" altLang="en-US" sz="1200" dirty="0" smtClean="0">
                   <a:latin typeface="에스코어 드림 5 Medium" panose="020B0503030302020204" pitchFamily="34" charset="-127"/>
                   <a:ea typeface="에스코어 드림 5 Medium" panose="020B0503030302020204" pitchFamily="34" charset="-127"/>
                 </a:rPr>
-                <a:t> 페인팅 이미지 자동 변환 시스템 </a:t>
+                <a:t>시스템 </a:t>
               </a:r>
               <a:r>
-                <a:rPr lang="ko-KR" altLang="en-US" sz="1200" strike="sngStrike" dirty="0" smtClean="0">
+                <a:rPr lang="en-US" altLang="ko-KR" sz="1200" dirty="0">
+                  <a:solidFill>
+                    <a:schemeClr val="bg1">
+                      <a:lumMod val="50000"/>
+                    </a:schemeClr>
+                  </a:solidFill>
                   <a:latin typeface="에스코어 드림 5 Medium" panose="020B0503030302020204" pitchFamily="34" charset="-127"/>
                   <a:ea typeface="에스코어 드림 5 Medium" panose="020B0503030302020204" pitchFamily="34" charset="-127"/>
                 </a:rPr>
-                <a:t>개발</a:t>
+                <a:t>(</a:t>
+              </a:r>
+              <a:r>
+                <a:rPr lang="ko-KR" altLang="en-US" sz="1200" dirty="0">
+                  <a:solidFill>
+                    <a:schemeClr val="bg1">
+                      <a:lumMod val="50000"/>
+                    </a:schemeClr>
+                  </a:solidFill>
+                  <a:latin typeface="에스코어 드림 5 Medium" panose="020B0503030302020204" pitchFamily="34" charset="-127"/>
+                  <a:ea typeface="에스코어 드림 5 Medium" panose="020B0503030302020204" pitchFamily="34" charset="-127"/>
+                </a:rPr>
+                <a:t>특허</a:t>
+              </a:r>
+              <a:r>
+                <a:rPr lang="en-US" altLang="ko-KR" sz="1200" dirty="0" smtClean="0">
+                  <a:solidFill>
+                    <a:schemeClr val="bg1">
+                      <a:lumMod val="50000"/>
+                    </a:schemeClr>
+                  </a:solidFill>
+                  <a:latin typeface="에스코어 드림 5 Medium" panose="020B0503030302020204" pitchFamily="34" charset="-127"/>
+                  <a:ea typeface="에스코어 드림 5 Medium" panose="020B0503030302020204" pitchFamily="34" charset="-127"/>
+                </a:rPr>
+                <a:t>)</a:t>
               </a:r>
               <a:endParaRPr lang="en-US" altLang="ko-KR" sz="1200" strike="sngStrike" dirty="0" smtClean="0">
                 <a:latin typeface="에스코어 드림 5 Medium" panose="020B0503030302020204" pitchFamily="34" charset="-127"/>
@@ -19110,7 +19139,7 @@
                 <a:t> 이용한 종교 감성 분석 장치 및 방법</a:t>
               </a:r>
               <a:r>
-                <a:rPr lang="en-US" altLang="ko-KR" sz="1200" dirty="0">
+                <a:rPr lang="en-US" altLang="ko-KR" sz="1200" dirty="0" smtClean="0">
                   <a:latin typeface="에스코어 드림 5 Medium" panose="020B0503030302020204" pitchFamily="34" charset="-127"/>
                   <a:ea typeface="에스코어 드림 5 Medium" panose="020B0503030302020204" pitchFamily="34" charset="-127"/>
                 </a:rPr>
@@ -23535,35 +23564,35 @@
                 <a:latin typeface="에스코어 드림 3 Light" panose="020B0303030302020204" pitchFamily="34" charset="-127"/>
                 <a:ea typeface="에스코어 드림 3 Light" panose="020B0303030302020204" pitchFamily="34" charset="-127"/>
               </a:rPr>
-              <a:t>2021 </a:t>
-            </a:r>
-            <a:r>
-              <a:rPr lang="ko-KR" altLang="en-US" sz="1100" dirty="0" smtClean="0">
-                <a:latin typeface="에스코어 드림 3 Light" panose="020B0303030302020204" pitchFamily="34" charset="-127"/>
-                <a:ea typeface="에스코어 드림 3 Light" panose="020B0303030302020204" pitchFamily="34" charset="-127"/>
-              </a:rPr>
-              <a:t>우수 창업 아이템으로 선정 </a:t>
-            </a:r>
-            <a:r>
-              <a:rPr lang="en-US" altLang="ko-KR" sz="1100" dirty="0" smtClean="0">
-                <a:latin typeface="에스코어 드림 3 Light" panose="020B0303030302020204" pitchFamily="34" charset="-127"/>
-                <a:ea typeface="에스코어 드림 3 Light" panose="020B0303030302020204" pitchFamily="34" charset="-127"/>
-              </a:rPr>
-              <a:t>(</a:t>
-            </a:r>
-            <a:r>
-              <a:rPr lang="ko-KR" altLang="en-US" sz="1100" dirty="0" smtClean="0">
-                <a:latin typeface="에스코어 드림 3 Light" panose="020B0303030302020204" pitchFamily="34" charset="-127"/>
-                <a:ea typeface="에스코어 드림 3 Light" panose="020B0303030302020204" pitchFamily="34" charset="-127"/>
-              </a:rPr>
-              <a:t>교내</a:t>
-            </a:r>
-            <a:r>
-              <a:rPr lang="en-US" altLang="ko-KR" sz="1100" dirty="0" smtClean="0">
-                <a:latin typeface="에스코어 드림 3 Light" panose="020B0303030302020204" pitchFamily="34" charset="-127"/>
-                <a:ea typeface="에스코어 드림 3 Light" panose="020B0303030302020204" pitchFamily="34" charset="-127"/>
-              </a:rPr>
-              <a:t>)</a:t>
+              <a:t>“</a:t>
+            </a:r>
+            <a:r>
+              <a:rPr lang="ko-KR" altLang="en-US" sz="1100" dirty="0" err="1">
+                <a:latin typeface="에스코어 드림 3 Light" panose="020B0303030302020204" pitchFamily="34" charset="-127"/>
+                <a:ea typeface="에스코어 드림 3 Light" panose="020B0303030302020204" pitchFamily="34" charset="-127"/>
+              </a:rPr>
+              <a:t>피포페인팅</a:t>
+            </a:r>
+            <a:r>
+              <a:rPr lang="ko-KR" altLang="en-US" sz="1100" dirty="0">
+                <a:latin typeface="에스코어 드림 3 Light" panose="020B0303030302020204" pitchFamily="34" charset="-127"/>
+                <a:ea typeface="에스코어 드림 3 Light" panose="020B0303030302020204" pitchFamily="34" charset="-127"/>
+              </a:rPr>
+              <a:t> 이미지 자동변환방법 및 시스템</a:t>
+            </a:r>
+            <a:r>
+              <a:rPr lang="en-US" altLang="ko-KR" sz="1100" dirty="0">
+                <a:latin typeface="에스코어 드림 3 Light" panose="020B0303030302020204" pitchFamily="34" charset="-127"/>
+                <a:ea typeface="에스코어 드림 3 Light" panose="020B0303030302020204" pitchFamily="34" charset="-127"/>
+              </a:rPr>
+              <a:t>” </a:t>
+            </a:r>
+            <a:r>
+              <a:rPr lang="ko-KR" altLang="en-US" sz="1100" dirty="0">
+                <a:latin typeface="에스코어 드림 3 Light" panose="020B0303030302020204" pitchFamily="34" charset="-127"/>
+                <a:ea typeface="에스코어 드림 3 Light" panose="020B0303030302020204" pitchFamily="34" charset="-127"/>
+              </a:rPr>
+              <a:t>특허 출원</a:t>
             </a:r>
           </a:p>
           <a:p>
@@ -23575,60 +23604,39 @@
               <a:buChar char="•"/>
             </a:pPr>
             <a:r>
-              <a:rPr lang="en-US" altLang="ko-KR" sz="1100" dirty="0" smtClean="0">
-                <a:latin typeface="에스코어 드림 3 Light" panose="020B0303030302020204" pitchFamily="34" charset="-127"/>
-                <a:ea typeface="에스코어 드림 3 Light" panose="020B0303030302020204" pitchFamily="34" charset="-127"/>
-              </a:rPr>
-              <a:t>“</a:t>
-            </a:r>
-            <a:r>
-              <a:rPr lang="en-US" altLang="ko-KR" sz="1100" dirty="0" err="1" smtClean="0">
-                <a:latin typeface="에스코어 드림 3 Light" panose="020B0303030302020204" pitchFamily="34" charset="-127"/>
-                <a:ea typeface="에스코어 드림 3 Light" panose="020B0303030302020204" pitchFamily="34" charset="-127"/>
-              </a:rPr>
-              <a:t>OpenCV</a:t>
-            </a:r>
-            <a:r>
-              <a:rPr lang="en-US" altLang="ko-KR" sz="1100" dirty="0" smtClean="0">
-                <a:latin typeface="에스코어 드림 3 Light" panose="020B0303030302020204" pitchFamily="34" charset="-127"/>
-                <a:ea typeface="에스코어 드림 3 Light" panose="020B0303030302020204" pitchFamily="34" charset="-127"/>
-              </a:rPr>
-              <a:t> </a:t>
-            </a:r>
-            <a:r>
-              <a:rPr lang="ko-KR" altLang="en-US" sz="1100" dirty="0" smtClean="0">
-                <a:latin typeface="에스코어 드림 3 Light" panose="020B0303030302020204" pitchFamily="34" charset="-127"/>
-                <a:ea typeface="에스코어 드림 3 Light" panose="020B0303030302020204" pitchFamily="34" charset="-127"/>
-              </a:rPr>
-              <a:t>기반 </a:t>
-            </a:r>
-            <a:r>
-              <a:rPr lang="ko-KR" altLang="en-US" sz="1100" dirty="0" err="1" smtClean="0">
-                <a:latin typeface="에스코어 드림 3 Light" panose="020B0303030302020204" pitchFamily="34" charset="-127"/>
-                <a:ea typeface="에스코어 드림 3 Light" panose="020B0303030302020204" pitchFamily="34" charset="-127"/>
-              </a:rPr>
-              <a:t>피포페인팅</a:t>
-            </a:r>
-            <a:r>
-              <a:rPr lang="ko-KR" altLang="en-US" sz="1100" dirty="0" smtClean="0">
-                <a:latin typeface="에스코어 드림 3 Light" panose="020B0303030302020204" pitchFamily="34" charset="-127"/>
-                <a:ea typeface="에스코어 드림 3 Light" panose="020B0303030302020204" pitchFamily="34" charset="-127"/>
-              </a:rPr>
-              <a:t> 이미지 자동 변환 시스템 개발</a:t>
-            </a:r>
-            <a:r>
-              <a:rPr lang="en-US" altLang="ko-KR" sz="1100" dirty="0" smtClean="0">
-                <a:latin typeface="에스코어 드림 3 Light" panose="020B0303030302020204" pitchFamily="34" charset="-127"/>
-                <a:ea typeface="에스코어 드림 3 Light" panose="020B0303030302020204" pitchFamily="34" charset="-127"/>
-              </a:rPr>
-              <a:t>“ </a:t>
-            </a:r>
-            <a:r>
-              <a:rPr lang="ko-KR" altLang="en-US" sz="1100" dirty="0" smtClean="0">
-                <a:latin typeface="에스코어 드림 3 Light" panose="020B0303030302020204" pitchFamily="34" charset="-127"/>
-                <a:ea typeface="에스코어 드림 3 Light" panose="020B0303030302020204" pitchFamily="34" charset="-127"/>
-              </a:rPr>
-              <a:t>논문 투고</a:t>
+              <a:rPr lang="en-US" altLang="ko-KR" sz="1100" dirty="0">
+                <a:latin typeface="에스코어 드림 3 Light" panose="020B0303030302020204" pitchFamily="34" charset="-127"/>
+                <a:ea typeface="에스코어 드림 3 Light" panose="020B0303030302020204" pitchFamily="34" charset="-127"/>
+              </a:rPr>
+              <a:t>2021 </a:t>
+            </a:r>
+            <a:r>
+              <a:rPr lang="ko-KR" altLang="en-US" sz="1100" dirty="0">
+                <a:latin typeface="에스코어 드림 3 Light" panose="020B0303030302020204" pitchFamily="34" charset="-127"/>
+                <a:ea typeface="에스코어 드림 3 Light" panose="020B0303030302020204" pitchFamily="34" charset="-127"/>
+              </a:rPr>
+              <a:t>우수 창업 아이템으로 선정 </a:t>
+            </a:r>
+            <a:r>
+              <a:rPr lang="en-US" altLang="ko-KR" sz="1100" dirty="0">
+                <a:latin typeface="에스코어 드림 3 Light" panose="020B0303030302020204" pitchFamily="34" charset="-127"/>
+                <a:ea typeface="에스코어 드림 3 Light" panose="020B0303030302020204" pitchFamily="34" charset="-127"/>
+              </a:rPr>
+              <a:t>(</a:t>
+            </a:r>
+            <a:r>
+              <a:rPr lang="ko-KR" altLang="en-US" sz="1100" dirty="0">
+                <a:latin typeface="에스코어 드림 3 Light" panose="020B0303030302020204" pitchFamily="34" charset="-127"/>
+                <a:ea typeface="에스코어 드림 3 Light" panose="020B0303030302020204" pitchFamily="34" charset="-127"/>
+              </a:rPr>
+              <a:t>교내</a:t>
+            </a:r>
+            <a:r>
+              <a:rPr lang="en-US" altLang="ko-KR" sz="1100" dirty="0">
+                <a:latin typeface="에스코어 드림 3 Light" panose="020B0303030302020204" pitchFamily="34" charset="-127"/>
+                <a:ea typeface="에스코어 드림 3 Light" panose="020B0303030302020204" pitchFamily="34" charset="-127"/>
+              </a:rPr>
+              <a:t>)</a:t>
             </a:r>
             <a:endParaRPr lang="en-US" altLang="ko-KR" sz="1100" dirty="0" smtClean="0">
               <a:latin typeface="에스코어 드림 3 Light" panose="020B0303030302020204" pitchFamily="34" charset="-127"/>
@@ -23644,55 +23652,69 @@
               <a:buChar char="•"/>
             </a:pPr>
             <a:r>
+              <a:rPr lang="en-US" altLang="ko-KR" sz="1100" dirty="0" smtClean="0">
+                <a:latin typeface="에스코어 드림 3 Light" panose="020B0303030302020204" pitchFamily="34" charset="-127"/>
+                <a:ea typeface="에스코어 드림 3 Light" panose="020B0303030302020204" pitchFamily="34" charset="-127"/>
+              </a:rPr>
+              <a:t>“</a:t>
+            </a:r>
+            <a:r>
               <a:rPr lang="ko-KR" altLang="en-US" sz="1100" dirty="0" smtClean="0">
                 <a:latin typeface="에스코어 드림 3 Light" panose="020B0303030302020204" pitchFamily="34" charset="-127"/>
                 <a:ea typeface="에스코어 드림 3 Light" panose="020B0303030302020204" pitchFamily="34" charset="-127"/>
               </a:rPr>
-              <a:t>기존 </a:t>
+              <a:t>인공지능</a:t>
+            </a:r>
+            <a:r>
+              <a:rPr lang="en-US" altLang="ko-KR" sz="1100" dirty="0" smtClean="0">
+                <a:latin typeface="에스코어 드림 3 Light" panose="020B0303030302020204" pitchFamily="34" charset="-127"/>
+                <a:ea typeface="에스코어 드림 3 Light" panose="020B0303030302020204" pitchFamily="34" charset="-127"/>
+              </a:rPr>
+              <a:t> </a:t>
+            </a:r>
+            <a:r>
+              <a:rPr lang="ko-KR" altLang="en-US" sz="1100" dirty="0" smtClean="0">
+                <a:latin typeface="에스코어 드림 3 Light" panose="020B0303030302020204" pitchFamily="34" charset="-127"/>
+                <a:ea typeface="에스코어 드림 3 Light" panose="020B0303030302020204" pitchFamily="34" charset="-127"/>
+              </a:rPr>
+              <a:t>기반 </a:t>
             </a:r>
             <a:r>
               <a:rPr lang="ko-KR" altLang="en-US" sz="1100" dirty="0" err="1" smtClean="0">
                 <a:latin typeface="에스코어 드림 3 Light" panose="020B0303030302020204" pitchFamily="34" charset="-127"/>
                 <a:ea typeface="에스코어 드림 3 Light" panose="020B0303030302020204" pitchFamily="34" charset="-127"/>
               </a:rPr>
-              <a:t>피포</a:t>
+              <a:t>피포페인팅</a:t>
             </a:r>
             <a:r>
               <a:rPr lang="ko-KR" altLang="en-US" sz="1100" dirty="0" smtClean="0">
                 <a:latin typeface="에스코어 드림 3 Light" panose="020B0303030302020204" pitchFamily="34" charset="-127"/>
                 <a:ea typeface="에스코어 드림 3 Light" panose="020B0303030302020204" pitchFamily="34" charset="-127"/>
               </a:rPr>
-              <a:t> 페인팅 캔버스 제작 시간을 </a:t>
+              <a:t> 이미지 자동 변환 시스템 개발</a:t>
             </a:r>
             <a:r>
               <a:rPr lang="en-US" altLang="ko-KR" sz="1100" dirty="0" smtClean="0">
                 <a:latin typeface="에스코어 드림 3 Light" panose="020B0303030302020204" pitchFamily="34" charset="-127"/>
                 <a:ea typeface="에스코어 드림 3 Light" panose="020B0303030302020204" pitchFamily="34" charset="-127"/>
               </a:rPr>
-              <a:t>Days</a:t>
+              <a:t>“ </a:t>
             </a:r>
             <a:r>
               <a:rPr lang="ko-KR" altLang="en-US" sz="1100" dirty="0" smtClean="0">
                 <a:latin typeface="에스코어 드림 3 Light" panose="020B0303030302020204" pitchFamily="34" charset="-127"/>
                 <a:ea typeface="에스코어 드림 3 Light" panose="020B0303030302020204" pitchFamily="34" charset="-127"/>
               </a:rPr>
-              <a:t> 단위에서 </a:t>
-            </a:r>
-            <a:r>
-              <a:rPr lang="en-US" altLang="ko-KR" sz="1100" dirty="0" smtClean="0">
-                <a:latin typeface="에스코어 드림 3 Light" panose="020B0303030302020204" pitchFamily="34" charset="-127"/>
-                <a:ea typeface="에스코어 드림 3 Light" panose="020B0303030302020204" pitchFamily="34" charset="-127"/>
-              </a:rPr>
-              <a:t>Minutes</a:t>
+              <a:t>논문 </a:t>
             </a:r>
             <a:r>
               <a:rPr lang="ko-KR" altLang="en-US" sz="1100" dirty="0" smtClean="0">
                 <a:latin typeface="에스코어 드림 3 Light" panose="020B0303030302020204" pitchFamily="34" charset="-127"/>
                 <a:ea typeface="에스코어 드림 3 Light" panose="020B0303030302020204" pitchFamily="34" charset="-127"/>
               </a:rPr>
-              <a:t> 단위로 줄임</a:t>
-            </a:r>
-            <a:endParaRPr lang="ko-KR" altLang="en-US" sz="1100" dirty="0">
+              <a:t>투고 준비중</a:t>
+            </a:r>
+            <a:endParaRPr lang="en-US" altLang="ko-KR" sz="1100" dirty="0" smtClean="0">
               <a:latin typeface="에스코어 드림 3 Light" panose="020B0303030302020204" pitchFamily="34" charset="-127"/>
               <a:ea typeface="에스코어 드림 3 Light" panose="020B0303030302020204" pitchFamily="34" charset="-127"/>
             </a:endParaRPr>
